--- a/slides/Spring Boot.pptx
+++ b/slides/Spring Boot.pptx
@@ -226,7 +226,7 @@
           <a:p>
             <a:fld id="{5AE9FA64-26CF-4AD1-8248-A14ADB29314B}" type="datetimeFigureOut">
               <a:rPr lang="de-CH" smtClean="0"/>
-              <a:t>18.04.2017</a:t>
+              <a:t>23.04.2017</a:t>
             </a:fld>
             <a:endParaRPr lang="de-CH"/>
           </a:p>
@@ -623,8 +623,35 @@
           <a:lstStyle/>
           <a:p>
             <a:r>
+              <a:rPr lang="de-CH" dirty="0" err="1" smtClean="0"/>
+              <a:t>Pivotal</a:t>
+            </a:r>
+            <a:r>
               <a:rPr lang="de-CH" dirty="0" smtClean="0"/>
-              <a:t>Kein</a:t>
+              <a:t>, Cloud </a:t>
+            </a:r>
+            <a:r>
+              <a:rPr lang="de-CH" dirty="0" err="1" smtClean="0"/>
+              <a:t>Foundry</a:t>
+            </a:r>
+            <a:r>
+              <a:rPr lang="de-CH" dirty="0" smtClean="0"/>
+              <a:t>,</a:t>
+            </a:r>
+            <a:r>
+              <a:rPr lang="de-CH" baseline="0" dirty="0" smtClean="0"/>
+              <a:t> EMC -&gt; </a:t>
+            </a:r>
+            <a:r>
+              <a:rPr lang="de-CH" baseline="0" dirty="0" smtClean="0"/>
+              <a:t>Dell</a:t>
+            </a:r>
+            <a:br>
+              <a:rPr lang="de-CH" baseline="0" dirty="0" smtClean="0"/>
+            </a:br>
+            <a:r>
+              <a:rPr lang="de-CH" baseline="0" dirty="0" err="1" smtClean="0"/>
+              <a:t>Convention</a:t>
             </a:r>
             <a:r>
               <a:rPr lang="de-CH" baseline="0" dirty="0" smtClean="0"/>
@@ -632,11 +659,15 @@
             </a:r>
             <a:r>
               <a:rPr lang="de-CH" baseline="0" dirty="0" err="1" smtClean="0"/>
-              <a:t>Boilerplate</a:t>
+              <a:t>over</a:t>
             </a:r>
             <a:r>
               <a:rPr lang="de-CH" baseline="0" dirty="0" smtClean="0"/>
-              <a:t> Code</a:t>
+              <a:t> </a:t>
+            </a:r>
+            <a:r>
+              <a:rPr lang="de-CH" baseline="0" dirty="0" err="1" smtClean="0"/>
+              <a:t>Configuration</a:t>
             </a:r>
             <a:endParaRPr lang="de-CH" dirty="0"/>
           </a:p>
@@ -659,7 +690,7 @@
           <a:p>
             <a:fld id="{A9E06D87-DA7C-40A3-AD02-8CFFC0D011A5}" type="slidenum">
               <a:rPr lang="de-CH" smtClean="0"/>
-              <a:t>13</a:t>
+              <a:t>8</a:t>
             </a:fld>
             <a:endParaRPr lang="de-CH"/>
           </a:p>
@@ -668,7 +699,7 @@
     </p:spTree>
     <p:extLst>
       <p:ext uri="{BB962C8B-B14F-4D97-AF65-F5344CB8AC3E}">
-        <p14:creationId xmlns:p14="http://schemas.microsoft.com/office/powerpoint/2010/main" val="1110278488"/>
+        <p14:creationId xmlns:p14="http://schemas.microsoft.com/office/powerpoint/2010/main" val="3911076890"/>
       </p:ext>
     </p:extLst>
   </p:cSld>
@@ -724,11 +755,19 @@
           <a:p>
             <a:r>
               <a:rPr lang="de-CH" dirty="0" smtClean="0"/>
-              <a:t>Standard</a:t>
+              <a:t>Kein</a:t>
             </a:r>
             <a:r>
               <a:rPr lang="de-CH" baseline="0" dirty="0" smtClean="0"/>
-              <a:t> Properties sind Dokumentiert Link:</a:t>
+              <a:t> </a:t>
+            </a:r>
+            <a:r>
+              <a:rPr lang="de-CH" baseline="0" dirty="0" err="1" smtClean="0"/>
+              <a:t>Boilerplate</a:t>
+            </a:r>
+            <a:r>
+              <a:rPr lang="de-CH" baseline="0" dirty="0" smtClean="0"/>
+              <a:t> Code</a:t>
             </a:r>
             <a:endParaRPr lang="de-CH" dirty="0"/>
           </a:p>
@@ -751,7 +790,7 @@
           <a:p>
             <a:fld id="{A9E06D87-DA7C-40A3-AD02-8CFFC0D011A5}" type="slidenum">
               <a:rPr lang="de-CH" smtClean="0"/>
-              <a:t>16</a:t>
+              <a:t>13</a:t>
             </a:fld>
             <a:endParaRPr lang="de-CH"/>
           </a:p>
@@ -760,7 +799,7 @@
     </p:spTree>
     <p:extLst>
       <p:ext uri="{BB962C8B-B14F-4D97-AF65-F5344CB8AC3E}">
-        <p14:creationId xmlns:p14="http://schemas.microsoft.com/office/powerpoint/2010/main" val="2261670860"/>
+        <p14:creationId xmlns:p14="http://schemas.microsoft.com/office/powerpoint/2010/main" val="1110278488"/>
       </p:ext>
     </p:extLst>
   </p:cSld>
@@ -815,6 +854,98 @@
           <a:lstStyle/>
           <a:p>
             <a:r>
+              <a:rPr lang="de-CH" dirty="0" smtClean="0"/>
+              <a:t>Standard</a:t>
+            </a:r>
+            <a:r>
+              <a:rPr lang="de-CH" baseline="0" dirty="0" smtClean="0"/>
+              <a:t> Properties sind Dokumentiert Link:</a:t>
+            </a:r>
+            <a:endParaRPr lang="de-CH" dirty="0"/>
+          </a:p>
+        </p:txBody>
+      </p:sp>
+      <p:sp>
+        <p:nvSpPr>
+          <p:cNvPr id="4" name="Slide Number Placeholder 3"/>
+          <p:cNvSpPr>
+            <a:spLocks noGrp="1"/>
+          </p:cNvSpPr>
+          <p:nvPr>
+            <p:ph type="sldNum" sz="quarter" idx="10"/>
+          </p:nvPr>
+        </p:nvSpPr>
+        <p:spPr/>
+        <p:txBody>
+          <a:bodyPr/>
+          <a:lstStyle/>
+          <a:p>
+            <a:fld id="{A9E06D87-DA7C-40A3-AD02-8CFFC0D011A5}" type="slidenum">
+              <a:rPr lang="de-CH" smtClean="0"/>
+              <a:t>16</a:t>
+            </a:fld>
+            <a:endParaRPr lang="de-CH"/>
+          </a:p>
+        </p:txBody>
+      </p:sp>
+    </p:spTree>
+    <p:extLst>
+      <p:ext uri="{BB962C8B-B14F-4D97-AF65-F5344CB8AC3E}">
+        <p14:creationId xmlns:p14="http://schemas.microsoft.com/office/powerpoint/2010/main" val="2261670860"/>
+      </p:ext>
+    </p:extLst>
+  </p:cSld>
+  <p:clrMapOvr>
+    <a:masterClrMapping/>
+  </p:clrMapOvr>
+</p:notes>
+</file>
+
+<file path=ppt/notesSlides/notesSlide5.xml><?xml version="1.0" encoding="utf-8"?>
+<p:notes xmlns:a="http://schemas.openxmlformats.org/drawingml/2006/main" xmlns:r="http://schemas.openxmlformats.org/officeDocument/2006/relationships" xmlns:p="http://schemas.openxmlformats.org/presentationml/2006/main">
+  <p:cSld>
+    <p:spTree>
+      <p:nvGrpSpPr>
+        <p:cNvPr id="1" name=""/>
+        <p:cNvGrpSpPr/>
+        <p:nvPr/>
+      </p:nvGrpSpPr>
+      <p:grpSpPr>
+        <a:xfrm>
+          <a:off x="0" y="0"/>
+          <a:ext cx="0" cy="0"/>
+          <a:chOff x="0" y="0"/>
+          <a:chExt cx="0" cy="0"/>
+        </a:xfrm>
+      </p:grpSpPr>
+      <p:sp>
+        <p:nvSpPr>
+          <p:cNvPr id="2" name="Slide Image Placeholder 1"/>
+          <p:cNvSpPr>
+            <a:spLocks noGrp="1" noRot="1" noChangeAspect="1"/>
+          </p:cNvSpPr>
+          <p:nvPr>
+            <p:ph type="sldImg"/>
+          </p:nvPr>
+        </p:nvSpPr>
+        <p:spPr/>
+      </p:sp>
+      <p:sp>
+        <p:nvSpPr>
+          <p:cNvPr id="3" name="Notes Placeholder 2"/>
+          <p:cNvSpPr>
+            <a:spLocks noGrp="1"/>
+          </p:cNvSpPr>
+          <p:nvPr>
+            <p:ph type="body" idx="1"/>
+          </p:nvPr>
+        </p:nvSpPr>
+        <p:spPr/>
+        <p:txBody>
+          <a:bodyPr/>
+          <a:lstStyle/>
+          <a:p>
+            <a:r>
               <a:rPr lang="de-CH" dirty="0" err="1" smtClean="0"/>
               <a:t>Microservices</a:t>
             </a:r>
@@ -823,12 +954,12 @@
               <a:t> </a:t>
             </a:r>
             <a:r>
-              <a:rPr lang="de-CH" dirty="0" err="1" smtClean="0"/>
-              <a:t>Architektour</a:t>
-            </a:r>
-            <a:r>
               <a:rPr lang="de-CH" dirty="0" smtClean="0"/>
-              <a:t> Stiel</a:t>
+              <a:t>Architektur </a:t>
+            </a:r>
+            <a:r>
+              <a:rPr lang="de-CH" dirty="0" smtClean="0"/>
+              <a:t>Stiel</a:t>
             </a:r>
             <a:r>
               <a:rPr lang="de-CH" baseline="0" dirty="0" smtClean="0"/>
@@ -882,7 +1013,7 @@
 </p:notes>
 </file>
 
-<file path=ppt/notesSlides/notesSlide5.xml><?xml version="1.0" encoding="utf-8"?>
+<file path=ppt/notesSlides/notesSlide6.xml><?xml version="1.0" encoding="utf-8"?>
 <p:notes xmlns:a="http://schemas.openxmlformats.org/drawingml/2006/main" xmlns:r="http://schemas.openxmlformats.org/officeDocument/2006/relationships" xmlns:p="http://schemas.openxmlformats.org/presentationml/2006/main">
   <p:cSld>
     <p:spTree>
@@ -1155,7 +1286,7 @@
           <a:p>
             <a:fld id="{FA7C67F7-0455-4925-B200-5ACF1ED82F79}" type="datetimeFigureOut">
               <a:rPr lang="de-CH" smtClean="0"/>
-              <a:t>18.04.2017</a:t>
+              <a:t>23.04.2017</a:t>
             </a:fld>
             <a:endParaRPr lang="de-CH"/>
           </a:p>
@@ -1325,7 +1456,7 @@
           <a:p>
             <a:fld id="{FA7C67F7-0455-4925-B200-5ACF1ED82F79}" type="datetimeFigureOut">
               <a:rPr lang="de-CH" smtClean="0"/>
-              <a:t>18.04.2017</a:t>
+              <a:t>23.04.2017</a:t>
             </a:fld>
             <a:endParaRPr lang="de-CH"/>
           </a:p>
@@ -1505,7 +1636,7 @@
           <a:p>
             <a:fld id="{FA7C67F7-0455-4925-B200-5ACF1ED82F79}" type="datetimeFigureOut">
               <a:rPr lang="de-CH" smtClean="0"/>
-              <a:t>18.04.2017</a:t>
+              <a:t>23.04.2017</a:t>
             </a:fld>
             <a:endParaRPr lang="de-CH"/>
           </a:p>
@@ -1709,7 +1840,7 @@
           <a:p>
             <a:fld id="{FA7C67F7-0455-4925-B200-5ACF1ED82F79}" type="datetimeFigureOut">
               <a:rPr lang="de-CH" smtClean="0"/>
-              <a:t>18.04.2017</a:t>
+              <a:t>23.04.2017</a:t>
             </a:fld>
             <a:endParaRPr lang="de-CH"/>
           </a:p>
@@ -1985,7 +2116,7 @@
           <a:p>
             <a:fld id="{FA7C67F7-0455-4925-B200-5ACF1ED82F79}" type="datetimeFigureOut">
               <a:rPr lang="de-CH" smtClean="0"/>
-              <a:t>18.04.2017</a:t>
+              <a:t>23.04.2017</a:t>
             </a:fld>
             <a:endParaRPr lang="de-CH"/>
           </a:p>
@@ -2273,7 +2404,7 @@
           <a:p>
             <a:fld id="{FA7C67F7-0455-4925-B200-5ACF1ED82F79}" type="datetimeFigureOut">
               <a:rPr lang="de-CH" smtClean="0"/>
-              <a:t>18.04.2017</a:t>
+              <a:t>23.04.2017</a:t>
             </a:fld>
             <a:endParaRPr lang="de-CH"/>
           </a:p>
@@ -2695,7 +2826,7 @@
           <a:p>
             <a:fld id="{FA7C67F7-0455-4925-B200-5ACF1ED82F79}" type="datetimeFigureOut">
               <a:rPr lang="de-CH" smtClean="0"/>
-              <a:t>18.04.2017</a:t>
+              <a:t>23.04.2017</a:t>
             </a:fld>
             <a:endParaRPr lang="de-CH"/>
           </a:p>
@@ -2813,7 +2944,7 @@
           <a:p>
             <a:fld id="{FA7C67F7-0455-4925-B200-5ACF1ED82F79}" type="datetimeFigureOut">
               <a:rPr lang="de-CH" smtClean="0"/>
-              <a:t>18.04.2017</a:t>
+              <a:t>23.04.2017</a:t>
             </a:fld>
             <a:endParaRPr lang="de-CH"/>
           </a:p>
@@ -2908,7 +3039,7 @@
           <a:p>
             <a:fld id="{FA7C67F7-0455-4925-B200-5ACF1ED82F79}" type="datetimeFigureOut">
               <a:rPr lang="de-CH" smtClean="0"/>
-              <a:t>18.04.2017</a:t>
+              <a:t>23.04.2017</a:t>
             </a:fld>
             <a:endParaRPr lang="de-CH"/>
           </a:p>
@@ -3185,7 +3316,7 @@
           <a:p>
             <a:fld id="{FA7C67F7-0455-4925-B200-5ACF1ED82F79}" type="datetimeFigureOut">
               <a:rPr lang="de-CH" smtClean="0"/>
-              <a:t>18.04.2017</a:t>
+              <a:t>23.04.2017</a:t>
             </a:fld>
             <a:endParaRPr lang="de-CH"/>
           </a:p>
@@ -3438,7 +3569,7 @@
           <a:p>
             <a:fld id="{FA7C67F7-0455-4925-B200-5ACF1ED82F79}" type="datetimeFigureOut">
               <a:rPr lang="de-CH" smtClean="0"/>
-              <a:t>18.04.2017</a:t>
+              <a:t>23.04.2017</a:t>
             </a:fld>
             <a:endParaRPr lang="de-CH"/>
           </a:p>
@@ -3651,7 +3782,7 @@
           <a:p>
             <a:fld id="{FA7C67F7-0455-4925-B200-5ACF1ED82F79}" type="datetimeFigureOut">
               <a:rPr lang="de-CH" smtClean="0"/>
-              <a:t>18.04.2017</a:t>
+              <a:t>23.04.2017</a:t>
             </a:fld>
             <a:endParaRPr lang="de-CH"/>
           </a:p>
@@ -6632,7 +6763,7 @@
 </file>
 
 <file path=ppt/slides/slide18.xml><?xml version="1.0" encoding="utf-8"?>
-<p:sld xmlns:a="http://schemas.openxmlformats.org/drawingml/2006/main" xmlns:r="http://schemas.openxmlformats.org/officeDocument/2006/relationships" xmlns:p="http://schemas.openxmlformats.org/presentationml/2006/main">
+<p:sld xmlns:a="http://schemas.openxmlformats.org/drawingml/2006/main" xmlns:r="http://schemas.openxmlformats.org/officeDocument/2006/relationships" xmlns:p="http://schemas.openxmlformats.org/presentationml/2006/main" show="0">
   <p:cSld>
     <p:spTree>
       <p:nvGrpSpPr>
@@ -6794,7 +6925,7 @@
 </file>
 
 <file path=ppt/slides/slide19.xml><?xml version="1.0" encoding="utf-8"?>
-<p:sld xmlns:a="http://schemas.openxmlformats.org/drawingml/2006/main" xmlns:r="http://schemas.openxmlformats.org/officeDocument/2006/relationships" xmlns:p="http://schemas.openxmlformats.org/presentationml/2006/main">
+<p:sld xmlns:a="http://schemas.openxmlformats.org/drawingml/2006/main" xmlns:r="http://schemas.openxmlformats.org/officeDocument/2006/relationships" xmlns:p="http://schemas.openxmlformats.org/presentationml/2006/main" show="0">
   <p:cSld>
     <p:bg>
       <p:bgPr>
@@ -7736,18 +7867,6 @@
           </a:p>
           <a:p>
             <a:r>
-              <a:rPr lang="de-CH" dirty="0" smtClean="0"/>
-              <a:t>REST Service</a:t>
-            </a:r>
-          </a:p>
-          <a:p>
-            <a:r>
-              <a:rPr lang="de-CH" strike="sngStrike" dirty="0" smtClean="0"/>
-              <a:t>Spring Data</a:t>
-            </a:r>
-          </a:p>
-          <a:p>
-            <a:r>
               <a:rPr lang="de-CH" dirty="0" err="1" smtClean="0"/>
               <a:t>Why</a:t>
             </a:r>
@@ -7755,13 +7874,6 @@
               <a:rPr lang="de-CH" dirty="0" smtClean="0"/>
               <a:t> Spring Boot?</a:t>
             </a:r>
-          </a:p>
-          <a:p>
-            <a:r>
-              <a:rPr lang="de-CH" dirty="0" smtClean="0"/>
-              <a:t>Fragen</a:t>
-            </a:r>
-            <a:endParaRPr lang="de-CH" dirty="0"/>
           </a:p>
         </p:txBody>
       </p:sp>
@@ -7881,11 +7993,7 @@
           <a:p>
             <a:r>
               <a:rPr lang="de-CH" dirty="0" smtClean="0"/>
-              <a:t>Spring </a:t>
-            </a:r>
-            <a:r>
-              <a:rPr lang="de-CH" dirty="0" smtClean="0"/>
-              <a:t>Projekt (Version 1.0, April 2014)</a:t>
+              <a:t>Spring Projekt (Version 1.0, April 2014)</a:t>
             </a:r>
           </a:p>
           <a:p>

--- a/slides/Spring Boot.pptx
+++ b/slides/Spring Boot.pptx
@@ -226,7 +226,7 @@
           <a:p>
             <a:fld id="{5AE9FA64-26CF-4AD1-8248-A14ADB29314B}" type="datetimeFigureOut">
               <a:rPr lang="de-CH" smtClean="0"/>
-              <a:t>23.04.2017</a:t>
+              <a:t>08.05.2017</a:t>
             </a:fld>
             <a:endParaRPr lang="de-CH"/>
           </a:p>
@@ -640,11 +640,7 @@
             </a:r>
             <a:r>
               <a:rPr lang="de-CH" baseline="0" dirty="0" smtClean="0"/>
-              <a:t> EMC -&gt; </a:t>
-            </a:r>
-            <a:r>
-              <a:rPr lang="de-CH" baseline="0" dirty="0" smtClean="0"/>
-              <a:t>Dell</a:t>
+              <a:t> EMC -&gt; Dell</a:t>
             </a:r>
             <a:br>
               <a:rPr lang="de-CH" baseline="0" dirty="0" smtClean="0"/>
@@ -951,15 +947,7 @@
             </a:r>
             <a:r>
               <a:rPr lang="de-CH" dirty="0" smtClean="0"/>
-              <a:t> </a:t>
-            </a:r>
-            <a:r>
-              <a:rPr lang="de-CH" dirty="0" smtClean="0"/>
-              <a:t>Architektur </a:t>
-            </a:r>
-            <a:r>
-              <a:rPr lang="de-CH" dirty="0" smtClean="0"/>
-              <a:t>Stiel</a:t>
+              <a:t> Architektur Stiel</a:t>
             </a:r>
             <a:r>
               <a:rPr lang="de-CH" baseline="0" dirty="0" smtClean="0"/>
@@ -971,7 +959,41 @@
             </a:r>
             <a:r>
               <a:rPr lang="de-CH" baseline="0" dirty="0" smtClean="0"/>
-              <a:t> Services zerlegt, REST, JSON</a:t>
+              <a:t> Services zerlegt, REST, </a:t>
+            </a:r>
+            <a:r>
+              <a:rPr lang="de-CH" baseline="0" dirty="0" smtClean="0"/>
+              <a:t>JSON</a:t>
+            </a:r>
+          </a:p>
+          <a:p>
+            <a:r>
+              <a:rPr lang="de-CH" baseline="0" dirty="0" smtClean="0"/>
+              <a:t>Mittlerweile gibt es viele Alternativen (</a:t>
+            </a:r>
+            <a:r>
+              <a:rPr lang="de-CH" baseline="0" dirty="0" err="1" smtClean="0"/>
+              <a:t>Dropwizard</a:t>
+            </a:r>
+            <a:r>
+              <a:rPr lang="de-CH" baseline="0" dirty="0" smtClean="0"/>
+              <a:t>, </a:t>
+            </a:r>
+            <a:r>
+              <a:rPr lang="de-CH" baseline="0" dirty="0" err="1" smtClean="0"/>
+              <a:t>Wildfly</a:t>
+            </a:r>
+            <a:r>
+              <a:rPr lang="de-CH" baseline="0" dirty="0" smtClean="0"/>
+              <a:t> Storm, viele kleine </a:t>
+            </a:r>
+            <a:r>
+              <a:rPr lang="de-CH" baseline="0" dirty="0" err="1" smtClean="0"/>
+              <a:t>Microframeworks</a:t>
+            </a:r>
+            <a:r>
+              <a:rPr lang="de-CH" baseline="0" dirty="0" smtClean="0"/>
+              <a:t>)</a:t>
             </a:r>
             <a:endParaRPr lang="de-CH" dirty="0"/>
           </a:p>
@@ -1286,7 +1308,7 @@
           <a:p>
             <a:fld id="{FA7C67F7-0455-4925-B200-5ACF1ED82F79}" type="datetimeFigureOut">
               <a:rPr lang="de-CH" smtClean="0"/>
-              <a:t>23.04.2017</a:t>
+              <a:t>08.05.2017</a:t>
             </a:fld>
             <a:endParaRPr lang="de-CH"/>
           </a:p>
@@ -1456,7 +1478,7 @@
           <a:p>
             <a:fld id="{FA7C67F7-0455-4925-B200-5ACF1ED82F79}" type="datetimeFigureOut">
               <a:rPr lang="de-CH" smtClean="0"/>
-              <a:t>23.04.2017</a:t>
+              <a:t>08.05.2017</a:t>
             </a:fld>
             <a:endParaRPr lang="de-CH"/>
           </a:p>
@@ -1636,7 +1658,7 @@
           <a:p>
             <a:fld id="{FA7C67F7-0455-4925-B200-5ACF1ED82F79}" type="datetimeFigureOut">
               <a:rPr lang="de-CH" smtClean="0"/>
-              <a:t>23.04.2017</a:t>
+              <a:t>08.05.2017</a:t>
             </a:fld>
             <a:endParaRPr lang="de-CH"/>
           </a:p>
@@ -1840,7 +1862,7 @@
           <a:p>
             <a:fld id="{FA7C67F7-0455-4925-B200-5ACF1ED82F79}" type="datetimeFigureOut">
               <a:rPr lang="de-CH" smtClean="0"/>
-              <a:t>23.04.2017</a:t>
+              <a:t>08.05.2017</a:t>
             </a:fld>
             <a:endParaRPr lang="de-CH"/>
           </a:p>
@@ -2116,7 +2138,7 @@
           <a:p>
             <a:fld id="{FA7C67F7-0455-4925-B200-5ACF1ED82F79}" type="datetimeFigureOut">
               <a:rPr lang="de-CH" smtClean="0"/>
-              <a:t>23.04.2017</a:t>
+              <a:t>08.05.2017</a:t>
             </a:fld>
             <a:endParaRPr lang="de-CH"/>
           </a:p>
@@ -2404,7 +2426,7 @@
           <a:p>
             <a:fld id="{FA7C67F7-0455-4925-B200-5ACF1ED82F79}" type="datetimeFigureOut">
               <a:rPr lang="de-CH" smtClean="0"/>
-              <a:t>23.04.2017</a:t>
+              <a:t>08.05.2017</a:t>
             </a:fld>
             <a:endParaRPr lang="de-CH"/>
           </a:p>
@@ -2826,7 +2848,7 @@
           <a:p>
             <a:fld id="{FA7C67F7-0455-4925-B200-5ACF1ED82F79}" type="datetimeFigureOut">
               <a:rPr lang="de-CH" smtClean="0"/>
-              <a:t>23.04.2017</a:t>
+              <a:t>08.05.2017</a:t>
             </a:fld>
             <a:endParaRPr lang="de-CH"/>
           </a:p>
@@ -2944,7 +2966,7 @@
           <a:p>
             <a:fld id="{FA7C67F7-0455-4925-B200-5ACF1ED82F79}" type="datetimeFigureOut">
               <a:rPr lang="de-CH" smtClean="0"/>
-              <a:t>23.04.2017</a:t>
+              <a:t>08.05.2017</a:t>
             </a:fld>
             <a:endParaRPr lang="de-CH"/>
           </a:p>
@@ -3039,7 +3061,7 @@
           <a:p>
             <a:fld id="{FA7C67F7-0455-4925-B200-5ACF1ED82F79}" type="datetimeFigureOut">
               <a:rPr lang="de-CH" smtClean="0"/>
-              <a:t>23.04.2017</a:t>
+              <a:t>08.05.2017</a:t>
             </a:fld>
             <a:endParaRPr lang="de-CH"/>
           </a:p>
@@ -3316,7 +3338,7 @@
           <a:p>
             <a:fld id="{FA7C67F7-0455-4925-B200-5ACF1ED82F79}" type="datetimeFigureOut">
               <a:rPr lang="de-CH" smtClean="0"/>
-              <a:t>23.04.2017</a:t>
+              <a:t>08.05.2017</a:t>
             </a:fld>
             <a:endParaRPr lang="de-CH"/>
           </a:p>
@@ -3569,7 +3591,7 @@
           <a:p>
             <a:fld id="{FA7C67F7-0455-4925-B200-5ACF1ED82F79}" type="datetimeFigureOut">
               <a:rPr lang="de-CH" smtClean="0"/>
-              <a:t>23.04.2017</a:t>
+              <a:t>08.05.2017</a:t>
             </a:fld>
             <a:endParaRPr lang="de-CH"/>
           </a:p>
@@ -3782,7 +3804,7 @@
           <a:p>
             <a:fld id="{FA7C67F7-0455-4925-B200-5ACF1ED82F79}" type="datetimeFigureOut">
               <a:rPr lang="de-CH" smtClean="0"/>
-              <a:t>23.04.2017</a:t>
+              <a:t>08.05.2017</a:t>
             </a:fld>
             <a:endParaRPr lang="de-CH"/>
           </a:p>
@@ -6683,13 +6705,6 @@
             <a:r>
               <a:rPr lang="de-CH" dirty="0" err="1" smtClean="0"/>
               <a:t>elivery</a:t>
-            </a:r>
-            <a:endParaRPr lang="de-CH" dirty="0" smtClean="0"/>
-          </a:p>
-          <a:p>
-            <a:r>
-              <a:rPr lang="de-CH" dirty="0" err="1"/>
-              <a:t>Microservice</a:t>
             </a:r>
             <a:endParaRPr lang="de-CH" dirty="0" smtClean="0"/>
           </a:p>
